--- a/Week2/Week2.pptx
+++ b/Week2/Week2.pptx
@@ -197,7 +197,7 @@
           <a:p>
             <a:fld id="{1D8BD707-D9CF-40AE-B4C6-C98DA3205C09}" type="datetimeFigureOut">
               <a:rPr lang="en-US"/>
-              <a:t>3/26/2025</a:t>
+              <a:t>3/27/2025</a:t>
             </a:fld>
             <a:endParaRPr lang="en-US"/>
           </a:p>
@@ -1396,7 +1396,7 @@
           <a:p>
             <a:fld id="{1D8BD707-D9CF-40AE-B4C6-C98DA3205C09}" type="datetimeFigureOut">
               <a:rPr lang="en-US"/>
-              <a:t>3/26/2025</a:t>
+              <a:t>3/27/2025</a:t>
             </a:fld>
             <a:endParaRPr lang="en-US"/>
           </a:p>
@@ -1610,7 +1610,7 @@
           <a:p>
             <a:fld id="{1D8BD707-D9CF-40AE-B4C6-C98DA3205C09}" type="datetimeFigureOut">
               <a:rPr lang="en-US"/>
-              <a:t>3/26/2025</a:t>
+              <a:t>3/27/2025</a:t>
             </a:fld>
             <a:endParaRPr lang="en-US"/>
           </a:p>
@@ -1758,7 +1758,7 @@
           <a:p>
             <a:fld id="{1D8BD707-D9CF-40AE-B4C6-C98DA3205C09}" type="datetimeFigureOut">
               <a:rPr lang="en-US"/>
-              <a:t>3/26/2025</a:t>
+              <a:t>3/27/2025</a:t>
             </a:fld>
             <a:endParaRPr lang="en-US"/>
           </a:p>
@@ -1877,7 +1877,7 @@
           <a:p>
             <a:fld id="{1D8BD707-D9CF-40AE-B4C6-C98DA3205C09}" type="datetimeFigureOut">
               <a:rPr lang="en-US"/>
-              <a:t>3/26/2025</a:t>
+              <a:t>3/27/2025</a:t>
             </a:fld>
             <a:endParaRPr lang="en-US"/>
           </a:p>
@@ -3066,7 +3066,7 @@
           <a:p>
             <a:fld id="{1D8BD707-D9CF-40AE-B4C6-C98DA3205C09}" type="datetimeFigureOut">
               <a:rPr lang="en-US"/>
-              <a:t>3/26/2025</a:t>
+              <a:t>3/27/2025</a:t>
             </a:fld>
             <a:endParaRPr lang="en-US"/>
           </a:p>
@@ -5380,8 +5380,8 @@
         </p:nvSpPr>
         <p:spPr>
           <a:xfrm>
-            <a:off x="95300" y="59954"/>
-            <a:ext cx="623570" cy="244475"/>
+            <a:off x="81280" y="59954"/>
+            <a:ext cx="623570" cy="232756"/>
           </a:xfrm>
           <a:prstGeom prst="rect">
             <a:avLst/>
@@ -5402,36 +5402,16 @@
               </a:spcBef>
             </a:pPr>
             <a:r>
-              <a:rPr sz="1400" dirty="0">
+              <a:rPr lang="en-US" sz="1400" dirty="0">
                 <a:solidFill>
                   <a:srgbClr val="FFFFFF"/>
                 </a:solidFill>
                 <a:latin typeface="Tahoma"/>
                 <a:cs typeface="Tahoma"/>
               </a:rPr>
-              <a:t>Mục</a:t>
-            </a:r>
-            <a:r>
-              <a:rPr sz="1400" spc="80" dirty="0">
-                <a:solidFill>
-                  <a:srgbClr val="FFFFFF"/>
-                </a:solidFill>
-                <a:latin typeface="Tahoma"/>
-                <a:cs typeface="Tahoma"/>
-              </a:rPr>
-              <a:t> </a:t>
-            </a:r>
-            <a:r>
-              <a:rPr sz="1400" spc="-25" dirty="0">
-                <a:solidFill>
-                  <a:srgbClr val="FFFFFF"/>
-                </a:solidFill>
-                <a:latin typeface="Tahoma"/>
-                <a:cs typeface="Tahoma"/>
-              </a:rPr>
-              <a:t>lục</a:t>
-            </a:r>
-            <a:endParaRPr sz="1400">
+              <a:t>Outline</a:t>
+            </a:r>
+            <a:endParaRPr sz="1400" dirty="0">
               <a:latin typeface="Tahoma"/>
               <a:cs typeface="Tahoma"/>
             </a:endParaRPr>
@@ -5446,8 +5426,8 @@
         </p:nvSpPr>
         <p:spPr>
           <a:xfrm>
-            <a:off x="171450" y="739775"/>
-            <a:ext cx="1211580" cy="1045671"/>
+            <a:off x="247650" y="587375"/>
+            <a:ext cx="3733800" cy="2461315"/>
           </a:xfrm>
           <a:prstGeom prst="rect">
             <a:avLst/>
@@ -5507,6 +5487,467 @@
                 <a:spcPts val="90"/>
               </a:spcBef>
             </a:pPr>
+            <a:r>
+              <a:rPr lang="en-US" sz="1100" dirty="0" err="1">
+                <a:latin typeface="Tahoma"/>
+                <a:cs typeface="Tahoma"/>
+              </a:rPr>
+              <a:t>Tuần</a:t>
+            </a:r>
+            <a:r>
+              <a:rPr lang="en-US" sz="1100" dirty="0">
+                <a:latin typeface="Tahoma"/>
+                <a:cs typeface="Tahoma"/>
+              </a:rPr>
+              <a:t> </a:t>
+            </a:r>
+            <a:r>
+              <a:rPr lang="en-US" sz="1100" dirty="0" err="1">
+                <a:latin typeface="Tahoma"/>
+                <a:cs typeface="Tahoma"/>
+              </a:rPr>
+              <a:t>thứ</a:t>
+            </a:r>
+            <a:r>
+              <a:rPr lang="en-US" sz="1100" dirty="0">
+                <a:latin typeface="Tahoma"/>
+                <a:cs typeface="Tahoma"/>
+              </a:rPr>
+              <a:t> 2 </a:t>
+            </a:r>
+            <a:r>
+              <a:rPr lang="en-US" sz="1100" dirty="0" err="1">
+                <a:latin typeface="Tahoma"/>
+                <a:cs typeface="Tahoma"/>
+              </a:rPr>
+              <a:t>em</a:t>
+            </a:r>
+            <a:r>
+              <a:rPr lang="en-US" sz="1100" dirty="0">
+                <a:latin typeface="Tahoma"/>
+                <a:cs typeface="Tahoma"/>
+              </a:rPr>
+              <a:t> </a:t>
+            </a:r>
+            <a:r>
+              <a:rPr lang="en-US" sz="1100" dirty="0" err="1">
+                <a:latin typeface="Tahoma"/>
+                <a:cs typeface="Tahoma"/>
+              </a:rPr>
+              <a:t>đã</a:t>
+            </a:r>
+            <a:r>
+              <a:rPr lang="en-US" sz="1100" dirty="0">
+                <a:latin typeface="Tahoma"/>
+                <a:cs typeface="Tahoma"/>
+              </a:rPr>
+              <a:t>:</a:t>
+            </a:r>
+          </a:p>
+          <a:p>
+            <a:pPr marL="184150" indent="-171450">
+              <a:lnSpc>
+                <a:spcPct val="100000"/>
+              </a:lnSpc>
+              <a:spcBef>
+                <a:spcPts val="90"/>
+              </a:spcBef>
+              <a:buFont typeface="Arial" panose="020B0604020202020204" pitchFamily="34" charset="0"/>
+              <a:buChar char="•"/>
+            </a:pPr>
+            <a:r>
+              <a:rPr lang="en-US" sz="1100" dirty="0" err="1">
+                <a:latin typeface="Tahoma"/>
+                <a:cs typeface="Tahoma"/>
+              </a:rPr>
+              <a:t>Viết</a:t>
+            </a:r>
+            <a:r>
+              <a:rPr lang="en-US" sz="1100" dirty="0">
+                <a:latin typeface="Tahoma"/>
+                <a:cs typeface="Tahoma"/>
+              </a:rPr>
+              <a:t> </a:t>
+            </a:r>
+            <a:r>
+              <a:rPr lang="en-US" sz="1100" dirty="0" err="1">
+                <a:latin typeface="Tahoma"/>
+                <a:cs typeface="Tahoma"/>
+              </a:rPr>
+              <a:t>chương</a:t>
+            </a:r>
+            <a:r>
+              <a:rPr lang="en-US" sz="1100" dirty="0">
+                <a:latin typeface="Tahoma"/>
+                <a:cs typeface="Tahoma"/>
+              </a:rPr>
+              <a:t> </a:t>
+            </a:r>
+            <a:r>
+              <a:rPr lang="en-US" sz="1100" dirty="0" err="1">
+                <a:latin typeface="Tahoma"/>
+                <a:cs typeface="Tahoma"/>
+              </a:rPr>
+              <a:t>trình</a:t>
+            </a:r>
+            <a:r>
+              <a:rPr lang="en-US" sz="1100" dirty="0">
+                <a:latin typeface="Tahoma"/>
+                <a:cs typeface="Tahoma"/>
+              </a:rPr>
+              <a:t> scan port </a:t>
+            </a:r>
+            <a:r>
+              <a:rPr lang="en-US" sz="1100" dirty="0" err="1">
+                <a:latin typeface="Tahoma"/>
+                <a:cs typeface="Tahoma"/>
+              </a:rPr>
+              <a:t>của</a:t>
+            </a:r>
+            <a:r>
+              <a:rPr lang="en-US" sz="1100" dirty="0">
+                <a:latin typeface="Tahoma"/>
+                <a:cs typeface="Tahoma"/>
+              </a:rPr>
+              <a:t> subdomain.</a:t>
+            </a:r>
+          </a:p>
+          <a:p>
+            <a:pPr marL="184150" indent="-171450">
+              <a:lnSpc>
+                <a:spcPct val="100000"/>
+              </a:lnSpc>
+              <a:spcBef>
+                <a:spcPts val="90"/>
+              </a:spcBef>
+              <a:buFont typeface="Arial" panose="020B0604020202020204" pitchFamily="34" charset="0"/>
+              <a:buChar char="•"/>
+            </a:pPr>
+            <a:r>
+              <a:rPr lang="en-US" sz="1100" dirty="0" err="1">
+                <a:latin typeface="Tahoma"/>
+                <a:cs typeface="Tahoma"/>
+              </a:rPr>
+              <a:t>Tìm</a:t>
+            </a:r>
+            <a:r>
+              <a:rPr lang="en-US" sz="1100" dirty="0">
+                <a:latin typeface="Tahoma"/>
+                <a:cs typeface="Tahoma"/>
+              </a:rPr>
+              <a:t> </a:t>
+            </a:r>
+            <a:r>
+              <a:rPr lang="en-US" sz="1100" dirty="0" err="1">
+                <a:latin typeface="Tahoma"/>
+                <a:cs typeface="Tahoma"/>
+              </a:rPr>
+              <a:t>hiểu</a:t>
+            </a:r>
+            <a:r>
+              <a:rPr lang="en-US" sz="1100" dirty="0">
+                <a:latin typeface="Tahoma"/>
+                <a:cs typeface="Tahoma"/>
+              </a:rPr>
+              <a:t> </a:t>
+            </a:r>
+            <a:r>
+              <a:rPr lang="en-US" sz="1100" dirty="0" err="1">
+                <a:latin typeface="Tahoma"/>
+                <a:cs typeface="Tahoma"/>
+              </a:rPr>
+              <a:t>về</a:t>
+            </a:r>
+            <a:r>
+              <a:rPr lang="en-US" sz="1100" dirty="0">
+                <a:latin typeface="Tahoma"/>
+                <a:cs typeface="Tahoma"/>
+              </a:rPr>
+              <a:t> multi-threading </a:t>
+            </a:r>
+            <a:r>
+              <a:rPr lang="en-US" sz="1100" dirty="0" err="1">
+                <a:latin typeface="Tahoma"/>
+                <a:cs typeface="Tahoma"/>
+              </a:rPr>
+              <a:t>trong</a:t>
+            </a:r>
+            <a:r>
+              <a:rPr lang="en-US" sz="1100" dirty="0">
+                <a:latin typeface="Tahoma"/>
+                <a:cs typeface="Tahoma"/>
+              </a:rPr>
+              <a:t> Rust.</a:t>
+            </a:r>
+          </a:p>
+          <a:p>
+            <a:pPr marL="184150" indent="-171450">
+              <a:lnSpc>
+                <a:spcPct val="100000"/>
+              </a:lnSpc>
+              <a:spcBef>
+                <a:spcPts val="90"/>
+              </a:spcBef>
+              <a:buFont typeface="Arial" panose="020B0604020202020204" pitchFamily="34" charset="0"/>
+              <a:buChar char="•"/>
+            </a:pPr>
+            <a:r>
+              <a:rPr lang="en-US" sz="1100" dirty="0" err="1">
+                <a:latin typeface="Tahoma"/>
+                <a:cs typeface="Tahoma"/>
+              </a:rPr>
+              <a:t>Áp</a:t>
+            </a:r>
+            <a:r>
+              <a:rPr lang="en-US" sz="1100" dirty="0">
+                <a:latin typeface="Tahoma"/>
+                <a:cs typeface="Tahoma"/>
+              </a:rPr>
+              <a:t> </a:t>
+            </a:r>
+            <a:r>
+              <a:rPr lang="en-US" sz="1100" dirty="0" err="1">
+                <a:latin typeface="Tahoma"/>
+                <a:cs typeface="Tahoma"/>
+              </a:rPr>
+              <a:t>dụng</a:t>
+            </a:r>
+            <a:r>
+              <a:rPr lang="en-US" sz="1100" dirty="0">
+                <a:latin typeface="Tahoma"/>
+                <a:cs typeface="Tahoma"/>
+              </a:rPr>
+              <a:t> multi-threading </a:t>
+            </a:r>
+            <a:r>
+              <a:rPr lang="en-US" sz="1100" dirty="0" err="1">
+                <a:latin typeface="Tahoma"/>
+                <a:cs typeface="Tahoma"/>
+              </a:rPr>
+              <a:t>để</a:t>
+            </a:r>
+            <a:r>
+              <a:rPr lang="en-US" sz="1100" dirty="0">
+                <a:latin typeface="Tahoma"/>
+                <a:cs typeface="Tahoma"/>
+              </a:rPr>
+              <a:t> </a:t>
+            </a:r>
+            <a:r>
+              <a:rPr lang="en-US" sz="1100" dirty="0" err="1">
+                <a:latin typeface="Tahoma"/>
+                <a:cs typeface="Tahoma"/>
+              </a:rPr>
+              <a:t>viết</a:t>
+            </a:r>
+            <a:r>
+              <a:rPr lang="en-US" sz="1100" dirty="0">
+                <a:latin typeface="Tahoma"/>
+                <a:cs typeface="Tahoma"/>
+              </a:rPr>
+              <a:t> </a:t>
+            </a:r>
+            <a:r>
+              <a:rPr lang="en-US" sz="1100" dirty="0" err="1">
+                <a:latin typeface="Tahoma"/>
+                <a:cs typeface="Tahoma"/>
+              </a:rPr>
+              <a:t>chương</a:t>
+            </a:r>
+            <a:r>
+              <a:rPr lang="en-US" sz="1100" dirty="0">
+                <a:latin typeface="Tahoma"/>
+                <a:cs typeface="Tahoma"/>
+              </a:rPr>
+              <a:t> </a:t>
+            </a:r>
+            <a:r>
+              <a:rPr lang="en-US" sz="1100" dirty="0" err="1">
+                <a:latin typeface="Tahoma"/>
+                <a:cs typeface="Tahoma"/>
+              </a:rPr>
+              <a:t>trình</a:t>
+            </a:r>
+            <a:r>
+              <a:rPr lang="en-US" sz="1100" dirty="0">
+                <a:latin typeface="Tahoma"/>
+                <a:cs typeface="Tahoma"/>
+              </a:rPr>
+              <a:t> scan port </a:t>
+            </a:r>
+            <a:r>
+              <a:rPr lang="en-US" sz="1100" dirty="0" err="1">
+                <a:latin typeface="Tahoma"/>
+                <a:cs typeface="Tahoma"/>
+              </a:rPr>
+              <a:t>của</a:t>
+            </a:r>
+            <a:r>
+              <a:rPr lang="en-US" sz="1100" dirty="0">
+                <a:latin typeface="Tahoma"/>
+                <a:cs typeface="Tahoma"/>
+              </a:rPr>
+              <a:t> subdomain.</a:t>
+            </a:r>
+          </a:p>
+          <a:p>
+            <a:pPr marL="184150" indent="-171450">
+              <a:lnSpc>
+                <a:spcPct val="100000"/>
+              </a:lnSpc>
+              <a:spcBef>
+                <a:spcPts val="90"/>
+              </a:spcBef>
+              <a:buFont typeface="Arial" panose="020B0604020202020204" pitchFamily="34" charset="0"/>
+              <a:buChar char="•"/>
+            </a:pPr>
+            <a:r>
+              <a:rPr lang="en-US" sz="1100" dirty="0">
+                <a:latin typeface="Tahoma"/>
+                <a:cs typeface="Tahoma"/>
+              </a:rPr>
+              <a:t>So </a:t>
+            </a:r>
+            <a:r>
+              <a:rPr lang="en-US" sz="1100" dirty="0" err="1">
+                <a:latin typeface="Tahoma"/>
+                <a:cs typeface="Tahoma"/>
+              </a:rPr>
+              <a:t>sánh</a:t>
+            </a:r>
+            <a:r>
+              <a:rPr lang="en-US" sz="1100" dirty="0">
+                <a:latin typeface="Tahoma"/>
+                <a:cs typeface="Tahoma"/>
+              </a:rPr>
+              <a:t> </a:t>
+            </a:r>
+            <a:r>
+              <a:rPr lang="en-US" sz="1100" dirty="0" err="1">
+                <a:latin typeface="Tahoma"/>
+                <a:cs typeface="Tahoma"/>
+              </a:rPr>
+              <a:t>thời</a:t>
+            </a:r>
+            <a:r>
+              <a:rPr lang="en-US" sz="1100" dirty="0">
+                <a:latin typeface="Tahoma"/>
+                <a:cs typeface="Tahoma"/>
+              </a:rPr>
+              <a:t> </a:t>
+            </a:r>
+            <a:r>
+              <a:rPr lang="en-US" sz="1100" dirty="0" err="1">
+                <a:latin typeface="Tahoma"/>
+                <a:cs typeface="Tahoma"/>
+              </a:rPr>
+              <a:t>gian</a:t>
+            </a:r>
+            <a:r>
+              <a:rPr lang="en-US" sz="1100" dirty="0">
+                <a:latin typeface="Tahoma"/>
+                <a:cs typeface="Tahoma"/>
+              </a:rPr>
+              <a:t> </a:t>
+            </a:r>
+            <a:r>
+              <a:rPr lang="en-US" sz="1100" dirty="0" err="1">
+                <a:latin typeface="Tahoma"/>
+                <a:cs typeface="Tahoma"/>
+              </a:rPr>
+              <a:t>thực</a:t>
+            </a:r>
+            <a:r>
+              <a:rPr lang="en-US" sz="1100" dirty="0">
+                <a:latin typeface="Tahoma"/>
+                <a:cs typeface="Tahoma"/>
+              </a:rPr>
+              <a:t> </a:t>
+            </a:r>
+            <a:r>
+              <a:rPr lang="en-US" sz="1100" dirty="0" err="1">
+                <a:latin typeface="Tahoma"/>
+                <a:cs typeface="Tahoma"/>
+              </a:rPr>
+              <a:t>thi</a:t>
+            </a:r>
+            <a:r>
+              <a:rPr lang="en-US" sz="1100" dirty="0">
+                <a:latin typeface="Tahoma"/>
+                <a:cs typeface="Tahoma"/>
+              </a:rPr>
+              <a:t> </a:t>
+            </a:r>
+            <a:r>
+              <a:rPr lang="en-US" sz="1100" dirty="0" err="1">
+                <a:latin typeface="Tahoma"/>
+                <a:cs typeface="Tahoma"/>
+              </a:rPr>
+              <a:t>khi</a:t>
+            </a:r>
+            <a:r>
+              <a:rPr lang="en-US" sz="1100" dirty="0">
+                <a:latin typeface="Tahoma"/>
+                <a:cs typeface="Tahoma"/>
+              </a:rPr>
+              <a:t> so </a:t>
+            </a:r>
+            <a:r>
+              <a:rPr lang="en-US" sz="1100" dirty="0" err="1">
+                <a:latin typeface="Tahoma"/>
+                <a:cs typeface="Tahoma"/>
+              </a:rPr>
+              <a:t>với</a:t>
+            </a:r>
+            <a:r>
+              <a:rPr lang="en-US" sz="1100" dirty="0">
+                <a:latin typeface="Tahoma"/>
+                <a:cs typeface="Tahoma"/>
+              </a:rPr>
+              <a:t> single-thread </a:t>
+            </a:r>
+            <a:r>
+              <a:rPr lang="en-US" sz="1100" dirty="0" err="1">
+                <a:latin typeface="Tahoma"/>
+                <a:cs typeface="Tahoma"/>
+              </a:rPr>
+              <a:t>cùng</a:t>
+            </a:r>
+            <a:r>
+              <a:rPr lang="en-US" sz="1100" dirty="0">
+                <a:latin typeface="Tahoma"/>
+                <a:cs typeface="Tahoma"/>
+              </a:rPr>
+              <a:t> </a:t>
+            </a:r>
+            <a:r>
+              <a:rPr lang="en-US" sz="1100" dirty="0" err="1">
+                <a:latin typeface="Tahoma"/>
+                <a:cs typeface="Tahoma"/>
+              </a:rPr>
+              <a:t>tác</a:t>
+            </a:r>
+            <a:r>
+              <a:rPr lang="en-US" sz="1100" dirty="0">
+                <a:latin typeface="Tahoma"/>
+                <a:cs typeface="Tahoma"/>
+              </a:rPr>
+              <a:t> </a:t>
+            </a:r>
+            <a:r>
+              <a:rPr lang="en-US" sz="1100" dirty="0" err="1">
+                <a:latin typeface="Tahoma"/>
+                <a:cs typeface="Tahoma"/>
+              </a:rPr>
+              <a:t>vụ</a:t>
+            </a:r>
+            <a:r>
+              <a:rPr lang="en-US" sz="1100" dirty="0">
+                <a:latin typeface="Tahoma"/>
+                <a:cs typeface="Tahoma"/>
+              </a:rPr>
+              <a:t>.</a:t>
+            </a:r>
             <a:endParaRPr sz="1100" dirty="0">
               <a:latin typeface="Tahoma"/>
               <a:cs typeface="Tahoma"/>
@@ -5518,17 +5959,10 @@
                 <a:spcPct val="102600"/>
               </a:lnSpc>
             </a:pPr>
-            <a:r>
-              <a:rPr lang="en-US" sz="1100" spc="-55" dirty="0">
-                <a:latin typeface="Tahoma"/>
-                <a:cs typeface="Tahoma"/>
-                <a:hlinkClick r:id="rId2" action="ppaction://hlinksldjump"/>
-              </a:rPr>
-              <a:t>Dependencies</a:t>
-            </a:r>
             <a:endParaRPr lang="en-US" sz="1100" spc="-55" dirty="0">
               <a:latin typeface="Tahoma"/>
               <a:cs typeface="Tahoma"/>
+              <a:hlinkClick r:id="rId2" action="ppaction://hlinksldjump"/>
             </a:endParaRPr>
           </a:p>
           <a:p>
@@ -5541,10 +5975,51 @@
               <a:rPr lang="en-US" sz="1100" spc="-55" dirty="0">
                 <a:latin typeface="Tahoma"/>
                 <a:cs typeface="Tahoma"/>
+                <a:hlinkClick r:id="rId2" action="ppaction://hlinksldjump"/>
+              </a:rPr>
+              <a:t>Dependencies</a:t>
+            </a:r>
+            <a:endParaRPr lang="en-US" sz="1100" spc="-55" dirty="0">
+              <a:latin typeface="Tahoma"/>
+              <a:cs typeface="Tahoma"/>
+            </a:endParaRPr>
+          </a:p>
+          <a:p>
+            <a:pPr marL="220345" marR="5080">
+              <a:lnSpc>
+                <a:spcPct val="102600"/>
+              </a:lnSpc>
+            </a:pPr>
+            <a:endParaRPr lang="en-US" sz="1100" spc="-55" dirty="0">
+              <a:latin typeface="Tahoma"/>
+              <a:cs typeface="Tahoma"/>
+            </a:endParaRPr>
+          </a:p>
+          <a:p>
+            <a:pPr marL="220345" marR="5080">
+              <a:lnSpc>
+                <a:spcPct val="102600"/>
+              </a:lnSpc>
+            </a:pPr>
+            <a:r>
+              <a:rPr lang="en-US" sz="1100" spc="-55" dirty="0">
+                <a:latin typeface="Tahoma"/>
+                <a:cs typeface="Tahoma"/>
                 <a:hlinkClick r:id="rId3" action="ppaction://hlinksldjump"/>
               </a:rPr>
               <a:t>Main execution thread</a:t>
             </a:r>
+            <a:endParaRPr lang="en-US" sz="1100" spc="-55" dirty="0">
+              <a:latin typeface="Tahoma"/>
+              <a:cs typeface="Tahoma"/>
+            </a:endParaRPr>
+          </a:p>
+          <a:p>
+            <a:pPr marL="220345" marR="5080">
+              <a:lnSpc>
+                <a:spcPct val="102600"/>
+              </a:lnSpc>
+            </a:pPr>
             <a:endParaRPr lang="en-US" sz="1100" spc="-10" dirty="0">
               <a:latin typeface="Tahoma"/>
               <a:cs typeface="Tahoma"/>
@@ -5593,8 +6068,8 @@
         </p:blipFill>
         <p:spPr>
           <a:xfrm>
-            <a:off x="1383030" y="1425575"/>
-            <a:ext cx="3211507" cy="1795463"/>
+            <a:off x="2152650" y="1958975"/>
+            <a:ext cx="2257426" cy="1262063"/>
           </a:xfrm>
           <a:prstGeom prst="rect">
             <a:avLst/>
